--- a/project-presentation-template.pptx
+++ b/project-presentation-template.pptx
@@ -5,10 +5,10 @@
     <p:sldMasterId id="2147483672" r:id="rId1"/>
   </p:sldMasterIdLst>
   <p:notesMasterIdLst>
-    <p:notesMasterId r:id="rId13"/>
+    <p:notesMasterId r:id="rId12"/>
   </p:notesMasterIdLst>
   <p:handoutMasterIdLst>
-    <p:handoutMasterId r:id="rId14"/>
+    <p:handoutMasterId r:id="rId13"/>
   </p:handoutMasterIdLst>
   <p:sldIdLst>
     <p:sldId id="328" r:id="rId2"/>
@@ -20,8 +20,7 @@
     <p:sldId id="334" r:id="rId8"/>
     <p:sldId id="335" r:id="rId9"/>
     <p:sldId id="336" r:id="rId10"/>
-    <p:sldId id="337" r:id="rId11"/>
-    <p:sldId id="338" r:id="rId12"/>
+    <p:sldId id="338" r:id="rId11"/>
   </p:sldIdLst>
   <p:sldSz cx="9144000" cy="6858000" type="screen4x3"/>
   <p:notesSz cx="6858000" cy="9144000"/>
@@ -236,7 +235,7 @@
             <a:fld id="{877130AC-1169-47BD-87F5-AFD9E79DDC3D}" type="datetimeFigureOut">
               <a:rPr lang="en-US" smtClean="0"/>
               <a:pPr/>
-              <a:t>11/20/2016</a:t>
+              <a:t>11/24/2016</a:t>
             </a:fld>
             <a:endParaRPr lang="en-US"/>
           </a:p>
@@ -403,7 +402,7 @@
             <a:fld id="{16D3C603-3B65-4AB7-82D6-2288B2E2AD50}" type="datetimeFigureOut">
               <a:rPr lang="en-US" smtClean="0"/>
               <a:pPr/>
-              <a:t>11/20/2016</a:t>
+              <a:t>11/24/2016</a:t>
             </a:fld>
             <a:endParaRPr lang="en-US"/>
           </a:p>
@@ -2791,50 +2790,28 @@
         </p:nvSpPr>
         <p:spPr/>
         <p:txBody>
-          <a:bodyPr>
-            <a:normAutofit fontScale="92500"/>
-          </a:bodyPr>
+          <a:bodyPr/>
           <a:lstStyle/>
           <a:p>
             <a:r>
               <a:rPr lang="en-US" dirty="0"/>
-              <a:t>Mean of each attribute for False: </a:t>
-            </a:r>
-          </a:p>
-          <a:p>
+              <a:t>From the information gain, we can see that the </a:t>
+            </a:r>
+            <a:r>
+              <a:rPr lang="en-US" dirty="0" err="1"/>
+              <a:t>gaussian</a:t>
+            </a:r>
             <a:r>
               <a:rPr lang="en-US" dirty="0"/>
-              <a:t>[-0.16111057 -0.0959308  -0.10047782 -0.08406235 -0.14534347 -0.13056257 -0.08966689 -0.33725662]</a:t>
-            </a:r>
-          </a:p>
-          <a:p>
+              <a:t> naive </a:t>
+            </a:r>
+            <a:r>
+              <a:rPr lang="en-US" dirty="0" err="1"/>
+              <a:t>bayes</a:t>
+            </a:r>
             <a:r>
               <a:rPr lang="en-US" dirty="0"/>
-              <a:t>Mean of each attribute for True: </a:t>
-            </a:r>
-          </a:p>
-          <a:p>
-            <a:r>
-              <a:rPr lang="en-US" dirty="0"/>
-              <a:t>[ 1.72653189  0.91849976  1.06176688  0.91845116  1.48682355  1.34810512  1.18357212 -0.22301535]</a:t>
-            </a:r>
-          </a:p>
-          <a:p>
-            <a:r>
-              <a:rPr lang="en-US" dirty="0"/>
-              <a:t>Difference for mean:</a:t>
-            </a:r>
-          </a:p>
-          <a:p>
-            <a:r>
-              <a:rPr lang="en-US" dirty="0"/>
-              <a:t>[ 1.88764246  1.01443056  1.1622447   1.00251351  1.63216702  1.47866769 1.27323901  0.11424127]</a:t>
-            </a:r>
-          </a:p>
-          <a:p>
-            <a:r>
-              <a:rPr lang="en-US" dirty="0"/>
-              <a:t>Top three feature 'Total', 'Sp. </a:t>
+              <a:t> suggest that if 'Total', ' Generation', 'HP‘, 'Sp. </a:t>
             </a:r>
             <a:r>
               <a:rPr lang="en-US" dirty="0" err="1"/>
@@ -2842,11 +2819,32 @@
             </a:r>
             <a:r>
               <a:rPr lang="en-US" dirty="0"/>
-              <a:t>', 'Sp. Def' </a:t>
-            </a:r>
-          </a:p>
-          <a:p>
-            <a:endParaRPr lang="en-US" dirty="0"/>
+              <a:t>' are high, then it is more likely to be legendary </a:t>
+            </a:r>
+            <a:r>
+              <a:rPr lang="en-US" dirty="0" err="1"/>
+              <a:t>pokemons</a:t>
+            </a:r>
+            <a:r>
+              <a:rPr lang="en-US" dirty="0"/>
+              <a:t>, but if those numbers are low then it is more likely to be common </a:t>
+            </a:r>
+            <a:r>
+              <a:rPr lang="en-US" dirty="0" err="1"/>
+              <a:t>pokemons</a:t>
+            </a:r>
+            <a:r>
+              <a:rPr lang="en-US" dirty="0"/>
+              <a:t>, so that is why some </a:t>
+            </a:r>
+            <a:r>
+              <a:rPr lang="en-US" dirty="0" err="1"/>
+              <a:t>pokemons</a:t>
+            </a:r>
+            <a:r>
+              <a:rPr lang="en-US" dirty="0"/>
+              <a:t> are misclassified.</a:t>
+            </a:r>
           </a:p>
         </p:txBody>
       </p:sp>
@@ -2870,158 +2868,6 @@
               <a:rPr kumimoji="0" lang="en-US" smtClean="0"/>
               <a:pPr algn="ctr" eaLnBrk="1" latinLnBrk="0" hangingPunct="1"/>
               <a:t>10</a:t>
-            </a:fld>
-            <a:endParaRPr kumimoji="0" lang="en-US"/>
-          </a:p>
-        </p:txBody>
-      </p:sp>
-    </p:spTree>
-    <p:extLst>
-      <p:ext uri="{BB962C8B-B14F-4D97-AF65-F5344CB8AC3E}">
-        <p14:creationId xmlns:p14="http://schemas.microsoft.com/office/powerpoint/2010/main" val="1961194013"/>
-      </p:ext>
-    </p:extLst>
-  </p:cSld>
-  <p:clrMapOvr>
-    <a:masterClrMapping/>
-  </p:clrMapOvr>
-</p:sld>
-</file>
-
-<file path=ppt/slides/slide11.xml><?xml version="1.0" encoding="utf-8"?>
-<p:sld xmlns:a="http://schemas.openxmlformats.org/drawingml/2006/main" xmlns:r="http://schemas.openxmlformats.org/officeDocument/2006/relationships" xmlns:p="http://schemas.openxmlformats.org/presentationml/2006/main">
-  <p:cSld>
-    <p:spTree>
-      <p:nvGrpSpPr>
-        <p:cNvPr id="1" name=""/>
-        <p:cNvGrpSpPr/>
-        <p:nvPr/>
-      </p:nvGrpSpPr>
-      <p:grpSpPr>
-        <a:xfrm>
-          <a:off x="0" y="0"/>
-          <a:ext cx="0" cy="0"/>
-          <a:chOff x="0" y="0"/>
-          <a:chExt cx="0" cy="0"/>
-        </a:xfrm>
-      </p:grpSpPr>
-      <p:sp>
-        <p:nvSpPr>
-          <p:cNvPr id="2" name="Title 1"/>
-          <p:cNvSpPr>
-            <a:spLocks noGrp="1"/>
-          </p:cNvSpPr>
-          <p:nvPr>
-            <p:ph type="title"/>
-          </p:nvPr>
-        </p:nvSpPr>
-        <p:spPr/>
-        <p:txBody>
-          <a:bodyPr/>
-          <a:lstStyle/>
-          <a:p>
-            <a:r>
-              <a:rPr lang="en-US" dirty="0"/>
-              <a:t>Interesting/unexpected cases</a:t>
-            </a:r>
-          </a:p>
-        </p:txBody>
-      </p:sp>
-      <p:sp>
-        <p:nvSpPr>
-          <p:cNvPr id="3" name="Content Placeholder 2"/>
-          <p:cNvSpPr>
-            <a:spLocks noGrp="1"/>
-          </p:cNvSpPr>
-          <p:nvPr>
-            <p:ph sz="quarter" idx="1"/>
-          </p:nvPr>
-        </p:nvSpPr>
-        <p:spPr/>
-        <p:txBody>
-          <a:bodyPr/>
-          <a:lstStyle/>
-          <a:p>
-            <a:r>
-              <a:rPr lang="en-US" dirty="0"/>
-              <a:t>From the difference in mean, we can see that the </a:t>
-            </a:r>
-            <a:r>
-              <a:rPr lang="en-US" dirty="0" err="1"/>
-              <a:t>gaussian</a:t>
-            </a:r>
-            <a:r>
-              <a:rPr lang="en-US" dirty="0"/>
-              <a:t> naive </a:t>
-            </a:r>
-            <a:r>
-              <a:rPr lang="en-US" dirty="0" err="1"/>
-              <a:t>bayes</a:t>
-            </a:r>
-            <a:r>
-              <a:rPr lang="en-US" dirty="0"/>
-              <a:t> suggest that if 'Total', 'Sp. </a:t>
-            </a:r>
-            <a:r>
-              <a:rPr lang="en-US" dirty="0" err="1"/>
-              <a:t>Atk</a:t>
-            </a:r>
-            <a:r>
-              <a:rPr lang="en-US" dirty="0"/>
-              <a:t>', 'Sp. Def‘ is high, then it is more likely to be legendary </a:t>
-            </a:r>
-            <a:r>
-              <a:rPr lang="en-US" dirty="0" err="1"/>
-              <a:t>pokemons</a:t>
-            </a:r>
-            <a:r>
-              <a:rPr lang="en-US" dirty="0"/>
-              <a:t>, but if those numbers are low then it is more likely to be common </a:t>
-            </a:r>
-            <a:r>
-              <a:rPr lang="en-US" dirty="0" err="1"/>
-              <a:t>pokemons</a:t>
-            </a:r>
-            <a:r>
-              <a:rPr lang="en-US" dirty="0"/>
-              <a:t>, so that is why some </a:t>
-            </a:r>
-            <a:r>
-              <a:rPr lang="en-US" dirty="0" err="1"/>
-              <a:t>pokemons</a:t>
-            </a:r>
-            <a:r>
-              <a:rPr lang="en-US" dirty="0"/>
-              <a:t> </a:t>
-            </a:r>
-            <a:r>
-              <a:rPr lang="en-US"/>
-              <a:t>are misclassified.</a:t>
-            </a:r>
-            <a:endParaRPr lang="en-US" dirty="0"/>
-          </a:p>
-        </p:txBody>
-      </p:sp>
-      <p:sp>
-        <p:nvSpPr>
-          <p:cNvPr id="4" name="Slide Number Placeholder 3"/>
-          <p:cNvSpPr>
-            <a:spLocks noGrp="1"/>
-          </p:cNvSpPr>
-          <p:nvPr>
-            <p:ph type="sldNum" sz="quarter" idx="15"/>
-          </p:nvPr>
-        </p:nvSpPr>
-        <p:spPr/>
-        <p:txBody>
-          <a:bodyPr/>
-          <a:lstStyle/>
-          <a:p>
-            <a:pPr algn="ctr" eaLnBrk="1" latinLnBrk="0" hangingPunct="1"/>
-            <a:fld id="{2BBB5E19-F10A-4C2F-BF6F-11C513378A2E}" type="slidenum">
-              <a:rPr kumimoji="0" lang="en-US" smtClean="0"/>
-              <a:pPr algn="ctr" eaLnBrk="1" latinLnBrk="0" hangingPunct="1"/>
-              <a:t>11</a:t>
             </a:fld>
             <a:endParaRPr kumimoji="0" lang="en-US"/>
           </a:p>
@@ -3089,7 +2935,12 @@
             <p:ph sz="quarter" idx="1"/>
           </p:nvPr>
         </p:nvSpPr>
-        <p:spPr/>
+        <p:spPr>
+          <a:xfrm>
+            <a:off x="457200" y="1600200"/>
+            <a:ext cx="7467600" cy="4873752"/>
+          </a:xfrm>
+        </p:spPr>
         <p:txBody>
           <a:bodyPr/>
           <a:lstStyle/>
@@ -3122,6 +2973,44 @@
               <a:rPr lang="en-US" dirty="0"/>
               <a:t> is useful.</a:t>
             </a:r>
+          </a:p>
+          <a:p>
+            <a:r>
+              <a:rPr lang="en-US" dirty="0"/>
+              <a:t>Examples:</a:t>
+            </a:r>
+          </a:p>
+          <a:p>
+            <a:r>
+              <a:rPr lang="en-US" dirty="0"/>
+              <a:t>Pikachu Electric	'?‘ 320	35 55 40 50 50 90 1	False</a:t>
+            </a:r>
+          </a:p>
+          <a:p>
+            <a:r>
+              <a:rPr lang="en-US" dirty="0" err="1"/>
+              <a:t>Raichu</a:t>
+            </a:r>
+            <a:r>
+              <a:rPr lang="en-US" dirty="0"/>
+              <a:t> Electric '?‘ 485 60 90 55 90 80 110 1	False</a:t>
+            </a:r>
+          </a:p>
+          <a:p>
+            <a:r>
+              <a:rPr lang="en-US" dirty="0" err="1"/>
+              <a:t>Articuno</a:t>
+            </a:r>
+            <a:r>
+              <a:rPr lang="en-US" dirty="0"/>
+              <a:t> Ice '?‘ 580 90 85 100 95 125 85 1 True</a:t>
+            </a:r>
+          </a:p>
+          <a:p>
+            <a:endParaRPr lang="en-US" dirty="0"/>
+          </a:p>
+          <a:p>
+            <a:endParaRPr lang="en-US" dirty="0"/>
           </a:p>
         </p:txBody>
       </p:sp>
@@ -3368,12 +3257,10 @@
             </a:r>
             <a:r>
               <a:rPr lang="en-US" dirty="0"/>
-              <a:t>, True </a:t>
-            </a:r>
-            <a:r>
-              <a:rPr lang="en-US"/>
-              <a:t>or False</a:t>
-            </a:r>
+              <a:t>, True or False</a:t>
+            </a:r>
+          </a:p>
+          <a:p>
             <a:endParaRPr lang="en-US" dirty="0"/>
           </a:p>
         </p:txBody>
@@ -3403,6 +3290,36 @@
           </a:p>
         </p:txBody>
       </p:sp>
+      <p:pic>
+        <p:nvPicPr>
+          <p:cNvPr id="5" name="Picture 4"/>
+          <p:cNvPicPr>
+            <a:picLocks noChangeAspect="1"/>
+          </p:cNvPicPr>
+          <p:nvPr/>
+        </p:nvPicPr>
+        <p:blipFill>
+          <a:blip r:embed="rId2">
+            <a:extLst>
+              <a:ext uri="{28A0092B-C50C-407E-A947-70E740481C1C}">
+                <a14:useLocalDpi xmlns:a14="http://schemas.microsoft.com/office/drawing/2010/main" val="0"/>
+              </a:ext>
+            </a:extLst>
+          </a:blip>
+          <a:stretch>
+            <a:fillRect/>
+          </a:stretch>
+        </p:blipFill>
+        <p:spPr>
+          <a:xfrm>
+            <a:off x="274755" y="2133600"/>
+            <a:ext cx="6041571" cy="4230660"/>
+          </a:xfrm>
+          <a:prstGeom prst="rect">
+            <a:avLst/>
+          </a:prstGeom>
+        </p:spPr>
+      </p:pic>
     </p:spTree>
     <p:extLst>
       <p:ext uri="{BB962C8B-B14F-4D97-AF65-F5344CB8AC3E}">
@@ -3472,7 +3389,7 @@
           <a:p>
             <a:r>
               <a:rPr lang="en-US" dirty="0"/>
-              <a:t>False: 735, True:65</a:t>
+              <a:t>Total</a:t>
             </a:r>
           </a:p>
           <a:p>
@@ -3507,7 +3424,7 @@
       </p:sp>
       <p:pic>
         <p:nvPicPr>
-          <p:cNvPr id="5" name="Picture 4"/>
+          <p:cNvPr id="6" name="Picture 5"/>
           <p:cNvPicPr>
             <a:picLocks noChangeAspect="1"/>
           </p:cNvPicPr>
@@ -3527,8 +3444,8 @@
         </p:blipFill>
         <p:spPr>
           <a:xfrm>
-            <a:off x="274755" y="2133600"/>
-            <a:ext cx="6041571" cy="4230660"/>
+            <a:off x="252984" y="2110085"/>
+            <a:ext cx="6749143" cy="4726144"/>
           </a:xfrm>
           <a:prstGeom prst="rect">
             <a:avLst/>
@@ -3711,14 +3628,14 @@
             <p:ph sz="quarter" idx="1"/>
             <p:extLst>
               <p:ext uri="{D42A27DB-BD31-4B8C-83A1-F6EECF244321}">
-                <p14:modId xmlns:p14="http://schemas.microsoft.com/office/powerpoint/2010/main" val="2099672996"/>
+                <p14:modId xmlns:p14="http://schemas.microsoft.com/office/powerpoint/2010/main" val="284054131"/>
               </p:ext>
             </p:extLst>
           </p:nvPr>
         </p:nvGraphicFramePr>
         <p:xfrm>
           <a:off x="457200" y="1600200"/>
-          <a:ext cx="7467600" cy="4277360"/>
+          <a:ext cx="7467600" cy="4389120"/>
         </p:xfrm>
         <a:graphic>
           <a:graphicData uri="http://schemas.openxmlformats.org/drawingml/2006/table">
@@ -3795,7 +3712,7 @@
                   </a:ext>
                 </a:extLst>
               </a:tr>
-              <a:tr h="370840">
+              <a:tr h="457200">
                 <a:tc>
                   <a:txBody>
                     <a:bodyPr/>
@@ -3862,7 +3779,7 @@
                   </a:ext>
                 </a:extLst>
               </a:tr>
-              <a:tr h="314960">
+              <a:tr h="391160">
                 <a:tc>
                   <a:txBody>
                     <a:bodyPr/>
@@ -3878,7 +3795,10 @@
                     <a:bodyPr/>
                     <a:lstStyle/>
                     <a:p>
-                      <a:endParaRPr lang="en-US" dirty="0"/>
+                      <a:r>
+                        <a:rPr lang="en-US" dirty="0"/>
+                        <a:t>Majority guess</a:t>
+                      </a:r>
                     </a:p>
                   </a:txBody>
                   <a:tcPr/>
@@ -3888,6 +3808,14 @@
                     <a:bodyPr/>
                     <a:lstStyle/>
                     <a:p>
+                      <a:r>
+                        <a:rPr lang="en-US" dirty="0" err="1"/>
+                        <a:t>Acc</a:t>
+                      </a:r>
+                      <a:r>
+                        <a:rPr lang="en-US"/>
+                        <a:t>: 0.918</a:t>
+                      </a:r>
                       <a:endParaRPr lang="en-US" dirty="0"/>
                     </a:p>
                   </a:txBody>
@@ -4499,22 +4427,38 @@
           <a:p>
             <a:r>
               <a:rPr lang="en-US" dirty="0"/>
-              <a:t>top features are</a:t>
+              <a:t>Top features are calculated from information gain.</a:t>
+            </a:r>
+          </a:p>
+          <a:p>
+            <a:r>
+              <a:rPr lang="en-US"/>
+              <a:t>Top </a:t>
+            </a:r>
+            <a:r>
+              <a:rPr lang="en-US" dirty="0"/>
+              <a:t>features are</a:t>
             </a:r>
           </a:p>
           <a:p>
             <a:pPr lvl="1"/>
             <a:r>
-              <a:rPr lang="en-US"/>
+              <a:rPr lang="en-US" dirty="0"/>
               <a:t>Total</a:t>
             </a:r>
-            <a:endParaRPr lang="en-US" dirty="0"/>
           </a:p>
           <a:p>
             <a:pPr lvl="1"/>
             <a:r>
               <a:rPr lang="en-US" dirty="0"/>
-              <a:t>Sp. Def </a:t>
+              <a:t>Generation </a:t>
+            </a:r>
+          </a:p>
+          <a:p>
+            <a:pPr lvl="1"/>
+            <a:r>
+              <a:rPr lang="en-US" dirty="0"/>
+              <a:t>HP</a:t>
             </a:r>
           </a:p>
           <a:p>
@@ -4527,6 +4471,10 @@
               <a:rPr lang="en-US" dirty="0" err="1"/>
               <a:t>Atk</a:t>
             </a:r>
+            <a:endParaRPr lang="en-US" dirty="0"/>
+          </a:p>
+          <a:p>
+            <a:pPr lvl="1"/>
             <a:endParaRPr lang="en-US" dirty="0"/>
           </a:p>
         </p:txBody>
